--- a/pics/draw.pptx
+++ b/pics/draw.pptx
@@ -6852,8 +6852,8 @@
         </p:nvSpPr>
         <p:spPr>
           <a:xfrm>
-            <a:off x="6963410" y="3803015"/>
-            <a:ext cx="4261485" cy="1190625"/>
+            <a:off x="6963410" y="3803650"/>
+            <a:ext cx="4941570" cy="1190625"/>
           </a:xfrm>
           <a:prstGeom prst="rect">
             <a:avLst/>
@@ -6881,7 +6881,7 @@
           <a:p>
             <a:r>
               <a:rPr lang="x-none" altLang="en-US"/>
-              <a:t>则坐标的偏移值计算如下：(x/S-5,y/S-0)</a:t>
+              <a:t>则坐标的偏移值计算如下：(xS/w-5,yS/h-0)</a:t>
             </a:r>
             <a:endParaRPr lang="x-none" altLang="en-US"/>
           </a:p>
